--- a/CSI495_ Innan.pptx
+++ b/CSI495_ Innan.pptx
@@ -806,7 +806,64 @@
           <a:bodyPr/>
           <a:lstStyle/>
           <a:p>
-            <a:endParaRPr lang="pt-BR" dirty="0"/>
+            <a:r>
+              <a:rPr lang="pt-BR" dirty="0"/>
+              <a:t>Compreender a metodologia de inferência demográficas a partir de dados online.</a:t>
+            </a:r>
+          </a:p>
+          <a:p>
+            <a:r>
+              <a:rPr lang="pt-BR" dirty="0" err="1"/>
+              <a:t>Padroes</a:t>
+            </a:r>
+            <a:r>
+              <a:rPr lang="pt-BR" dirty="0"/>
+              <a:t> comportamentais com base na idade.</a:t>
+            </a:r>
+          </a:p>
+          <a:p>
+            <a:r>
+              <a:rPr lang="pt-BR" dirty="0"/>
+              <a:t>Faixa </a:t>
+            </a:r>
+            <a:r>
+              <a:rPr lang="pt-BR" dirty="0" err="1"/>
+              <a:t>Etaria</a:t>
+            </a:r>
+            <a:r>
+              <a:rPr lang="pt-BR" dirty="0"/>
+              <a:t> e gênero a partir de textos </a:t>
+            </a:r>
+            <a:r>
+              <a:rPr lang="pt-BR" dirty="0" err="1"/>
+              <a:t>anonimos</a:t>
+            </a:r>
+            <a:r>
+              <a:rPr lang="pt-BR" dirty="0"/>
+              <a:t>.</a:t>
+            </a:r>
+          </a:p>
+          <a:p>
+            <a:r>
+              <a:rPr lang="pt-BR" dirty="0"/>
+              <a:t>Inferir atributos como idioma nativo, origem, e localização.</a:t>
+            </a:r>
+          </a:p>
+          <a:p>
+            <a:r>
+              <a:rPr lang="pt-BR" dirty="0"/>
+              <a:t>Interesse em tabagismo, obesidade e diabetes.</a:t>
+            </a:r>
+          </a:p>
+          <a:p>
+            <a:r>
+              <a:rPr lang="pt-BR" dirty="0" err="1"/>
+              <a:t>Anuncios</a:t>
+            </a:r>
+            <a:r>
+              <a:rPr lang="pt-BR" dirty="0"/>
+              <a:t> que excluíam usuários sensíveis de receber anúncios.</a:t>
+            </a:r>
           </a:p>
         </p:txBody>
       </p:sp>
@@ -838,6 +895,287 @@
     <p:extLst>
       <p:ext uri="{BB962C8B-B14F-4D97-AF65-F5344CB8AC3E}">
         <p14:creationId xmlns:p14="http://schemas.microsoft.com/office/powerpoint/2010/main" val="505917242"/>
+      </p:ext>
+    </p:extLst>
+  </p:cSld>
+  <p:clrMapOvr>
+    <a:masterClrMapping/>
+  </p:clrMapOvr>
+</p:notes>
+</file>
+
+<file path=ppt/notesSlides/notesSlide11.xml><?xml version="1.0" encoding="utf-8"?>
+<p:notes xmlns:a="http://schemas.openxmlformats.org/drawingml/2006/main" xmlns:r="http://schemas.openxmlformats.org/officeDocument/2006/relationships" xmlns:p="http://schemas.openxmlformats.org/presentationml/2006/main">
+  <p:cSld>
+    <p:spTree>
+      <p:nvGrpSpPr>
+        <p:cNvPr id="1" name=""/>
+        <p:cNvGrpSpPr/>
+        <p:nvPr/>
+      </p:nvGrpSpPr>
+      <p:grpSpPr>
+        <a:xfrm>
+          <a:off x="0" y="0"/>
+          <a:ext cx="0" cy="0"/>
+          <a:chOff x="0" y="0"/>
+          <a:chExt cx="0" cy="0"/>
+        </a:xfrm>
+      </p:grpSpPr>
+      <p:sp>
+        <p:nvSpPr>
+          <p:cNvPr id="2" name="Espaço Reservado para Imagem de Slide 1"/>
+          <p:cNvSpPr>
+            <a:spLocks noGrp="1" noRot="1" noChangeAspect="1"/>
+          </p:cNvSpPr>
+          <p:nvPr>
+            <p:ph type="sldImg"/>
+          </p:nvPr>
+        </p:nvSpPr>
+        <p:spPr/>
+      </p:sp>
+      <p:sp>
+        <p:nvSpPr>
+          <p:cNvPr id="3" name="Espaço Reservado para Anotações 2"/>
+          <p:cNvSpPr>
+            <a:spLocks noGrp="1"/>
+          </p:cNvSpPr>
+          <p:nvPr>
+            <p:ph type="body" idx="1"/>
+          </p:nvPr>
+        </p:nvSpPr>
+        <p:spPr/>
+        <p:txBody>
+          <a:bodyPr/>
+          <a:lstStyle/>
+          <a:p>
+            <a:r>
+              <a:rPr lang="pt-BR" dirty="0"/>
+              <a:t>Coletas com início em maio, semanalmente.</a:t>
+            </a:r>
+          </a:p>
+          <a:p>
+            <a:r>
+              <a:rPr lang="pt-BR" dirty="0"/>
+              <a:t>Variação provavelmente devida a fuga de usuários do </a:t>
+            </a:r>
+            <a:r>
+              <a:rPr lang="pt-BR" dirty="0" err="1"/>
+              <a:t>facebook</a:t>
+            </a:r>
+            <a:r>
+              <a:rPr lang="pt-BR" dirty="0"/>
+              <a:t>.</a:t>
+            </a:r>
+          </a:p>
+          <a:p>
+            <a:endParaRPr lang="pt-BR" dirty="0"/>
+          </a:p>
+          <a:p>
+            <a:endParaRPr lang="pt-BR" dirty="0"/>
+          </a:p>
+        </p:txBody>
+      </p:sp>
+      <p:sp>
+        <p:nvSpPr>
+          <p:cNvPr id="4" name="Espaço Reservado para Número de Slide 3"/>
+          <p:cNvSpPr>
+            <a:spLocks noGrp="1"/>
+          </p:cNvSpPr>
+          <p:nvPr>
+            <p:ph type="sldNum" sz="quarter" idx="5"/>
+          </p:nvPr>
+        </p:nvSpPr>
+        <p:spPr/>
+        <p:txBody>
+          <a:bodyPr/>
+          <a:lstStyle/>
+          <a:p>
+            <a:pPr rtl="0"/>
+            <a:fld id="{810E1E9A-E921-4174-A0FC-51868D7AC568}" type="slidenum">
+              <a:rPr lang="pt-BR" smtClean="0"/>
+              <a:t>11</a:t>
+            </a:fld>
+            <a:endParaRPr lang="pt-BR" dirty="0"/>
+          </a:p>
+        </p:txBody>
+      </p:sp>
+    </p:spTree>
+    <p:extLst>
+      <p:ext uri="{BB962C8B-B14F-4D97-AF65-F5344CB8AC3E}">
+        <p14:creationId xmlns:p14="http://schemas.microsoft.com/office/powerpoint/2010/main" val="3972094068"/>
+      </p:ext>
+    </p:extLst>
+  </p:cSld>
+  <p:clrMapOvr>
+    <a:masterClrMapping/>
+  </p:clrMapOvr>
+</p:notes>
+</file>
+
+<file path=ppt/notesSlides/notesSlide12.xml><?xml version="1.0" encoding="utf-8"?>
+<p:notes xmlns:a="http://schemas.openxmlformats.org/drawingml/2006/main" xmlns:r="http://schemas.openxmlformats.org/officeDocument/2006/relationships" xmlns:p="http://schemas.openxmlformats.org/presentationml/2006/main">
+  <p:cSld>
+    <p:spTree>
+      <p:nvGrpSpPr>
+        <p:cNvPr id="1" name=""/>
+        <p:cNvGrpSpPr/>
+        <p:nvPr/>
+      </p:nvGrpSpPr>
+      <p:grpSpPr>
+        <a:xfrm>
+          <a:off x="0" y="0"/>
+          <a:ext cx="0" cy="0"/>
+          <a:chOff x="0" y="0"/>
+          <a:chExt cx="0" cy="0"/>
+        </a:xfrm>
+      </p:grpSpPr>
+      <p:sp>
+        <p:nvSpPr>
+          <p:cNvPr id="2" name="Espaço Reservado para Imagem de Slide 1"/>
+          <p:cNvSpPr>
+            <a:spLocks noGrp="1" noRot="1" noChangeAspect="1"/>
+          </p:cNvSpPr>
+          <p:nvPr>
+            <p:ph type="sldImg"/>
+          </p:nvPr>
+        </p:nvSpPr>
+        <p:spPr/>
+      </p:sp>
+      <p:sp>
+        <p:nvSpPr>
+          <p:cNvPr id="3" name="Espaço Reservado para Anotações 2"/>
+          <p:cNvSpPr>
+            <a:spLocks noGrp="1"/>
+          </p:cNvSpPr>
+          <p:nvPr>
+            <p:ph type="body" idx="1"/>
+          </p:nvPr>
+        </p:nvSpPr>
+        <p:spPr/>
+        <p:txBody>
+          <a:bodyPr/>
+          <a:lstStyle/>
+          <a:p>
+            <a:endParaRPr lang="pt-BR" dirty="0"/>
+          </a:p>
+        </p:txBody>
+      </p:sp>
+      <p:sp>
+        <p:nvSpPr>
+          <p:cNvPr id="4" name="Espaço Reservado para Número de Slide 3"/>
+          <p:cNvSpPr>
+            <a:spLocks noGrp="1"/>
+          </p:cNvSpPr>
+          <p:nvPr>
+            <p:ph type="sldNum" sz="quarter" idx="5"/>
+          </p:nvPr>
+        </p:nvSpPr>
+        <p:spPr/>
+        <p:txBody>
+          <a:bodyPr/>
+          <a:lstStyle/>
+          <a:p>
+            <a:pPr rtl="0"/>
+            <a:fld id="{810E1E9A-E921-4174-A0FC-51868D7AC568}" type="slidenum">
+              <a:rPr lang="pt-BR" smtClean="0"/>
+              <a:t>12</a:t>
+            </a:fld>
+            <a:endParaRPr lang="pt-BR" dirty="0"/>
+          </a:p>
+        </p:txBody>
+      </p:sp>
+    </p:spTree>
+    <p:extLst>
+      <p:ext uri="{BB962C8B-B14F-4D97-AF65-F5344CB8AC3E}">
+        <p14:creationId xmlns:p14="http://schemas.microsoft.com/office/powerpoint/2010/main" val="1059531451"/>
+      </p:ext>
+    </p:extLst>
+  </p:cSld>
+  <p:clrMapOvr>
+    <a:masterClrMapping/>
+  </p:clrMapOvr>
+</p:notes>
+</file>
+
+<file path=ppt/notesSlides/notesSlide13.xml><?xml version="1.0" encoding="utf-8"?>
+<p:notes xmlns:a="http://schemas.openxmlformats.org/drawingml/2006/main" xmlns:r="http://schemas.openxmlformats.org/officeDocument/2006/relationships" xmlns:p="http://schemas.openxmlformats.org/presentationml/2006/main">
+  <p:cSld>
+    <p:spTree>
+      <p:nvGrpSpPr>
+        <p:cNvPr id="1" name=""/>
+        <p:cNvGrpSpPr/>
+        <p:nvPr/>
+      </p:nvGrpSpPr>
+      <p:grpSpPr>
+        <a:xfrm>
+          <a:off x="0" y="0"/>
+          <a:ext cx="0" cy="0"/>
+          <a:chOff x="0" y="0"/>
+          <a:chExt cx="0" cy="0"/>
+        </a:xfrm>
+      </p:grpSpPr>
+      <p:sp>
+        <p:nvSpPr>
+          <p:cNvPr id="2" name="Espaço Reservado para Imagem de Slide 1"/>
+          <p:cNvSpPr>
+            <a:spLocks noGrp="1" noRot="1" noChangeAspect="1"/>
+          </p:cNvSpPr>
+          <p:nvPr>
+            <p:ph type="sldImg"/>
+          </p:nvPr>
+        </p:nvSpPr>
+        <p:spPr/>
+      </p:sp>
+      <p:sp>
+        <p:nvSpPr>
+          <p:cNvPr id="3" name="Espaço Reservado para Anotações 2"/>
+          <p:cNvSpPr>
+            <a:spLocks noGrp="1"/>
+          </p:cNvSpPr>
+          <p:nvPr>
+            <p:ph type="body" idx="1"/>
+          </p:nvPr>
+        </p:nvSpPr>
+        <p:spPr/>
+        <p:txBody>
+          <a:bodyPr/>
+          <a:lstStyle/>
+          <a:p>
+            <a:r>
+              <a:rPr lang="pt-BR" dirty="0"/>
+              <a:t>Verificar possibilidade de utilização de alguma análise em Big Data</a:t>
+            </a:r>
+          </a:p>
+        </p:txBody>
+      </p:sp>
+      <p:sp>
+        <p:nvSpPr>
+          <p:cNvPr id="4" name="Espaço Reservado para Número de Slide 3"/>
+          <p:cNvSpPr>
+            <a:spLocks noGrp="1"/>
+          </p:cNvSpPr>
+          <p:nvPr>
+            <p:ph type="sldNum" sz="quarter" idx="5"/>
+          </p:nvPr>
+        </p:nvSpPr>
+        <p:spPr/>
+        <p:txBody>
+          <a:bodyPr/>
+          <a:lstStyle/>
+          <a:p>
+            <a:pPr rtl="0"/>
+            <a:fld id="{810E1E9A-E921-4174-A0FC-51868D7AC568}" type="slidenum">
+              <a:rPr lang="pt-BR" smtClean="0"/>
+              <a:t>13</a:t>
+            </a:fld>
+            <a:endParaRPr lang="pt-BR" dirty="0"/>
+          </a:p>
+        </p:txBody>
+      </p:sp>
+    </p:spTree>
+    <p:extLst>
+      <p:ext uri="{BB962C8B-B14F-4D97-AF65-F5344CB8AC3E}">
+        <p14:creationId xmlns:p14="http://schemas.microsoft.com/office/powerpoint/2010/main" val="2727003532"/>
       </p:ext>
     </p:extLst>
   </p:cSld>
@@ -6474,7 +6812,7 @@
           <p:nvPr/>
         </p:nvPicPr>
         <p:blipFill>
-          <a:blip r:embed="rId2"/>
+          <a:blip r:embed="rId3"/>
           <a:stretch>
             <a:fillRect/>
           </a:stretch>
@@ -6732,7 +7070,7 @@
           <p:nvPr/>
         </p:nvPicPr>
         <p:blipFill>
-          <a:blip r:embed="rId2"/>
+          <a:blip r:embed="rId3"/>
           <a:stretch>
             <a:fillRect/>
           </a:stretch>
